--- a/Assets/Cloud computing mini project.pptx
+++ b/Assets/Cloud computing mini project.pptx
@@ -113,6 +113,11 @@
       </a:defRPr>
     </a:lvl9pPr>
   </p:defaultTextStyle>
+  <p:extLst>
+    <p:ext uri="{EFAFB233-063F-42B5-8137-9DF3F51BA10A}">
+      <p15:sldGuideLst xmlns:p15="http://schemas.microsoft.com/office/powerpoint/2012/main"/>
+    </p:ext>
+  </p:extLst>
 </p:presentation>
 </file>
 
@@ -340,7 +345,7 @@
           <a:p>
             <a:fld id="{CC621DF3-2111-194D-9015-5A2E1A0A7C81}" type="datetimeFigureOut">
               <a:rPr lang="en-US" smtClean="0"/>
-              <a:t>12/13/23</a:t>
+              <a:t>12/14/23</a:t>
             </a:fld>
             <a:endParaRPr lang="en-US"/>
           </a:p>
@@ -510,7 +515,7 @@
           <a:p>
             <a:fld id="{CC621DF3-2111-194D-9015-5A2E1A0A7C81}" type="datetimeFigureOut">
               <a:rPr lang="en-US" smtClean="0"/>
-              <a:t>12/13/23</a:t>
+              <a:t>12/14/23</a:t>
             </a:fld>
             <a:endParaRPr lang="en-US"/>
           </a:p>
@@ -690,7 +695,7 @@
           <a:p>
             <a:fld id="{CC621DF3-2111-194D-9015-5A2E1A0A7C81}" type="datetimeFigureOut">
               <a:rPr lang="en-US" smtClean="0"/>
-              <a:t>12/13/23</a:t>
+              <a:t>12/14/23</a:t>
             </a:fld>
             <a:endParaRPr lang="en-US"/>
           </a:p>
@@ -860,7 +865,7 @@
           <a:p>
             <a:fld id="{CC621DF3-2111-194D-9015-5A2E1A0A7C81}" type="datetimeFigureOut">
               <a:rPr lang="en-US" smtClean="0"/>
-              <a:t>12/13/23</a:t>
+              <a:t>12/14/23</a:t>
             </a:fld>
             <a:endParaRPr lang="en-US"/>
           </a:p>
@@ -1118,7 +1123,7 @@
           <a:p>
             <a:fld id="{CC621DF3-2111-194D-9015-5A2E1A0A7C81}" type="datetimeFigureOut">
               <a:rPr lang="en-US" smtClean="0"/>
-              <a:t>12/13/23</a:t>
+              <a:t>12/14/23</a:t>
             </a:fld>
             <a:endParaRPr lang="en-US"/>
           </a:p>
@@ -1406,7 +1411,7 @@
           <a:p>
             <a:fld id="{CC621DF3-2111-194D-9015-5A2E1A0A7C81}" type="datetimeFigureOut">
               <a:rPr lang="en-US" smtClean="0"/>
-              <a:t>12/13/23</a:t>
+              <a:t>12/14/23</a:t>
             </a:fld>
             <a:endParaRPr lang="en-US"/>
           </a:p>
@@ -1848,7 +1853,7 @@
           <a:p>
             <a:fld id="{CC621DF3-2111-194D-9015-5A2E1A0A7C81}" type="datetimeFigureOut">
               <a:rPr lang="en-US" smtClean="0"/>
-              <a:t>12/13/23</a:t>
+              <a:t>12/14/23</a:t>
             </a:fld>
             <a:endParaRPr lang="en-US"/>
           </a:p>
@@ -1966,7 +1971,7 @@
           <a:p>
             <a:fld id="{CC621DF3-2111-194D-9015-5A2E1A0A7C81}" type="datetimeFigureOut">
               <a:rPr lang="en-US" smtClean="0"/>
-              <a:t>12/13/23</a:t>
+              <a:t>12/14/23</a:t>
             </a:fld>
             <a:endParaRPr lang="en-US"/>
           </a:p>
@@ -2061,7 +2066,7 @@
           <a:p>
             <a:fld id="{CC621DF3-2111-194D-9015-5A2E1A0A7C81}" type="datetimeFigureOut">
               <a:rPr lang="en-US" smtClean="0"/>
-              <a:t>12/13/23</a:t>
+              <a:t>12/14/23</a:t>
             </a:fld>
             <a:endParaRPr lang="en-US"/>
           </a:p>
@@ -2349,7 +2354,7 @@
           <a:p>
             <a:fld id="{CC621DF3-2111-194D-9015-5A2E1A0A7C81}" type="datetimeFigureOut">
               <a:rPr lang="en-US" smtClean="0"/>
-              <a:t>12/13/23</a:t>
+              <a:t>12/14/23</a:t>
             </a:fld>
             <a:endParaRPr lang="en-US"/>
           </a:p>
@@ -2622,7 +2627,7 @@
           <a:p>
             <a:fld id="{CC621DF3-2111-194D-9015-5A2E1A0A7C81}" type="datetimeFigureOut">
               <a:rPr lang="en-US" smtClean="0"/>
-              <a:t>12/13/23</a:t>
+              <a:t>12/14/23</a:t>
             </a:fld>
             <a:endParaRPr lang="en-US"/>
           </a:p>
@@ -2919,7 +2924,7 @@
           <a:p>
             <a:fld id="{CC621DF3-2111-194D-9015-5A2E1A0A7C81}" type="datetimeFigureOut">
               <a:rPr lang="en-US" smtClean="0"/>
-              <a:t>12/13/23</a:t>
+              <a:t>12/14/23</a:t>
             </a:fld>
             <a:endParaRPr lang="en-US"/>
           </a:p>
@@ -3601,10 +3606,10 @@
       </p:sp>
       <p:pic>
         <p:nvPicPr>
-          <p:cNvPr id="9" name="Content Placeholder 8" descr="A diagram of a software development process&#10;&#10;Description automatically generated with medium confidence">
+          <p:cNvPr id="6" name="Content Placeholder 5" descr="A diagram of a software developer&#10;&#10;Description automatically generated with medium confidence">
             <a:extLst>
               <a:ext uri="{FF2B5EF4-FFF2-40B4-BE49-F238E27FC236}">
-                <a16:creationId xmlns:a16="http://schemas.microsoft.com/office/drawing/2014/main" id="{C81C66B9-8FC3-276D-7713-C3A99F46EAB6}"/>
+                <a16:creationId xmlns:a16="http://schemas.microsoft.com/office/drawing/2014/main" id="{227E9C57-5DE2-6655-86CE-4A1A55FD1059}"/>
               </a:ext>
             </a:extLst>
           </p:cNvPr>
@@ -3708,32 +3713,82 @@
           <a:lstStyle/>
           <a:p>
             <a:r>
-              <a:rPr lang="en-US" dirty="0"/>
+              <a:rPr lang="en-US" dirty="0">
+                <a:solidFill>
+                  <a:schemeClr val="tx1"/>
+                </a:solidFill>
+              </a:rPr>
               <a:t>ADINI HEMANJALI – 220721646</a:t>
             </a:r>
           </a:p>
           <a:p>
             <a:r>
-              <a:rPr lang="en-US" dirty="0"/>
+              <a:rPr lang="en-US" dirty="0">
+                <a:solidFill>
+                  <a:schemeClr val="tx1"/>
+                </a:solidFill>
+              </a:rPr>
+              <a:t>AMAN NAREDI - </a:t>
+            </a:r>
+            <a:r>
+              <a:rPr lang="en-GB" b="0" i="0" u="none" strike="noStrike" dirty="0">
+                <a:solidFill>
+                  <a:schemeClr val="tx1"/>
+                </a:solidFill>
+                <a:effectLst/>
+                <a:latin typeface="Roboto" panose="02000000000000000000" pitchFamily="2" charset="0"/>
+              </a:rPr>
+              <a:t>230290873</a:t>
+            </a:r>
+            <a:endParaRPr lang="en-US" dirty="0">
+              <a:solidFill>
+                <a:schemeClr val="tx1"/>
+              </a:solidFill>
+            </a:endParaRPr>
+          </a:p>
+          <a:p>
+            <a:r>
+              <a:rPr lang="en-US" dirty="0">
+                <a:solidFill>
+                  <a:schemeClr val="tx1"/>
+                </a:solidFill>
+              </a:rPr>
               <a:t>BALAJI MP – 231041407</a:t>
             </a:r>
           </a:p>
           <a:p>
             <a:r>
-              <a:rPr lang="en-US" dirty="0"/>
-              <a:t>SUNANTHA KANNAN </a:t>
-            </a:r>
-          </a:p>
-          <a:p>
-            <a:r>
-              <a:rPr lang="en-US" dirty="0"/>
-              <a:t>AMAN NEREDI</a:t>
-            </a:r>
-          </a:p>
-          <a:p>
-            <a:r>
-              <a:rPr lang="en-US" dirty="0"/>
-              <a:t>DANIEL RAMOND </a:t>
+              <a:rPr lang="en-US" dirty="0">
+                <a:solidFill>
+                  <a:schemeClr val="tx1"/>
+                </a:solidFill>
+              </a:rPr>
+              <a:t>DANIEL RAYMOND - </a:t>
+            </a:r>
+            <a:r>
+              <a:rPr lang="en-GB" b="0" i="0" u="none" strike="noStrike" dirty="0">
+                <a:solidFill>
+                  <a:schemeClr val="tx1"/>
+                </a:solidFill>
+                <a:effectLst/>
+                <a:latin typeface="Roboto" panose="02000000000000000000" pitchFamily="2" charset="0"/>
+              </a:rPr>
+              <a:t>230452264</a:t>
+            </a:r>
+            <a:endParaRPr lang="en-US" dirty="0">
+              <a:solidFill>
+                <a:schemeClr val="tx1"/>
+              </a:solidFill>
+            </a:endParaRPr>
+          </a:p>
+          <a:p>
+            <a:r>
+              <a:rPr lang="en-US" dirty="0">
+                <a:solidFill>
+                  <a:schemeClr val="tx1"/>
+                </a:solidFill>
+              </a:rPr>
+              <a:t>SUNANTHA KANNAN -  230841125</a:t>
             </a:r>
           </a:p>
         </p:txBody>
@@ -4563,6 +4618,15 @@
           <a:p>
             <a:pPr algn="l"/>
             <a:r>
+              <a:rPr lang="en-GB" dirty="0">
+                <a:solidFill>
+                  <a:schemeClr val="tx1"/>
+                </a:solidFill>
+                <a:latin typeface="Söhne"/>
+              </a:rPr>
+              <a:t>D</a:t>
+            </a:r>
+            <a:r>
               <a:rPr lang="en-GB" b="0" i="0" u="none" strike="noStrike" dirty="0">
                 <a:solidFill>
                   <a:schemeClr val="tx1"/>
@@ -4570,7 +4634,7 @@
                 <a:effectLst/>
                 <a:latin typeface="Söhne"/>
               </a:rPr>
-              <a:t>You get detailed nutrition information, including calories, fats, carbs, and more, for each ingredient. It also provides dietary labels like Vegan, Paleo, and Gluten-Free, making it easy to </a:t>
+              <a:t>etailed nutrition information is obtained, including calories, fats, carbs, and more, for each ingredient. It also provides dietary labels like Vegan, Paleo, and Gluten-Free, making it easy to </a:t>
             </a:r>
             <a:r>
               <a:rPr lang="en-GB" b="0" i="0" u="none" strike="noStrike" dirty="0" err="1">
